--- a/zs_sim_robot/meeting_9/meeting_9.pptx
+++ b/zs_sim_robot/meeting_9/meeting_9.pptx
@@ -5991,8 +5991,8 @@
         </p:nvSpPr>
         <p:spPr>
           <a:xfrm>
-            <a:off x="-66508" y="1451982"/>
-            <a:ext cx="12455640" cy="4411235"/>
+            <a:off x="-66508" y="1223382"/>
+            <a:ext cx="12455640" cy="5634618"/>
           </a:xfrm>
           <a:prstGeom prst="rect">
             <a:avLst/>
@@ -6332,6 +6332,105 @@
               </a:uFill>
               <a:latin typeface="Calibri"/>
             </a:endParaRPr>
+          </a:p>
+          <a:p>
+            <a:pPr marL="457560" indent="-457200">
+              <a:lnSpc>
+                <a:spcPct val="100000"/>
+              </a:lnSpc>
+              <a:buClr>
+                <a:srgbClr val="000000"/>
+              </a:buClr>
+              <a:buFont typeface="Arial" panose="020B0604020202020204" pitchFamily="34" charset="0"/>
+              <a:buChar char="•"/>
+            </a:pPr>
+            <a:r>
+              <a:rPr lang="en-US" sz="2800" spc="-1" dirty="0">
+                <a:solidFill>
+                  <a:srgbClr val="000000"/>
+                </a:solidFill>
+                <a:uFill>
+                  <a:solidFill>
+                    <a:srgbClr val="FFFFFF"/>
+                  </a:solidFill>
+                </a:uFill>
+                <a:latin typeface="Calibri"/>
+              </a:rPr>
+              <a:t>Currently env without any obstacle. Should I implement some fixed obstacles in the env? Or the locations of obstacles are also parts of State? Like goal location?</a:t>
+            </a:r>
+          </a:p>
+          <a:p>
+            <a:pPr marL="457560" indent="-457200">
+              <a:lnSpc>
+                <a:spcPct val="100000"/>
+              </a:lnSpc>
+              <a:buClr>
+                <a:srgbClr val="000000"/>
+              </a:buClr>
+              <a:buFont typeface="Arial" panose="020B0604020202020204" pitchFamily="34" charset="0"/>
+              <a:buChar char="•"/>
+            </a:pPr>
+            <a:endParaRPr lang="en-US" sz="2800" spc="-1" dirty="0">
+              <a:solidFill>
+                <a:srgbClr val="000000"/>
+              </a:solidFill>
+              <a:uFill>
+                <a:solidFill>
+                  <a:srgbClr val="FFFFFF"/>
+                </a:solidFill>
+              </a:uFill>
+              <a:latin typeface="Calibri"/>
+            </a:endParaRPr>
+          </a:p>
+          <a:p>
+            <a:pPr marL="457560" indent="-457200">
+              <a:lnSpc>
+                <a:spcPct val="100000"/>
+              </a:lnSpc>
+              <a:buClr>
+                <a:srgbClr val="000000"/>
+              </a:buClr>
+              <a:buFont typeface="Arial" panose="020B0604020202020204" pitchFamily="34" charset="0"/>
+              <a:buChar char="•"/>
+            </a:pPr>
+            <a:r>
+              <a:rPr lang="en-US" sz="2800" spc="-1" dirty="0">
+                <a:solidFill>
+                  <a:srgbClr val="000000"/>
+                </a:solidFill>
+                <a:uFill>
+                  <a:solidFill>
+                    <a:srgbClr val="FFFFFF"/>
+                  </a:solidFill>
+                </a:uFill>
+                <a:latin typeface="Calibri"/>
+              </a:rPr>
+              <a:t>I am going to define rewards of failure as ex. “-10000”,</a:t>
+            </a:r>
+          </a:p>
+          <a:p>
+            <a:pPr marL="360">
+              <a:lnSpc>
+                <a:spcPct val="100000"/>
+              </a:lnSpc>
+              <a:buClr>
+                <a:srgbClr val="000000"/>
+              </a:buClr>
+            </a:pPr>
+            <a:r>
+              <a:rPr lang="en-US" sz="2800" spc="-1" dirty="0">
+                <a:solidFill>
+                  <a:srgbClr val="000000"/>
+                </a:solidFill>
+                <a:uFill>
+                  <a:solidFill>
+                    <a:srgbClr val="FFFFFF"/>
+                  </a:solidFill>
+                </a:uFill>
+                <a:latin typeface="Calibri"/>
+              </a:rPr>
+              <a:t>      in case of invalid region, invalid gripper load and collision</a:t>
+            </a:r>
           </a:p>
           <a:p>
             <a:pPr marL="457560" indent="-457200">
